--- a/智能平台实验室+姓名+述职.pptx
+++ b/智能平台实验室+姓名+述职.pptx
@@ -251,7 +251,7 @@
           <a:p>
             <a:fld id="{5D1C15E6-6BD2-4E4B-B1D4-218C26E1B228}" type="datetimeFigureOut">
               <a:rPr lang="zh-CN" altLang="en-US" smtClean="0"/>
-              <a:t>2021/1/15</a:t>
+              <a:t>2021/1/18</a:t>
             </a:fld>
             <a:endParaRPr lang="zh-CN" altLang="en-US"/>
           </a:p>
@@ -416,7 +416,7 @@
           <a:p>
             <a:fld id="{0B17430C-5A66-4BD0-A971-34190B6C6019}" type="datetimeFigureOut">
               <a:rPr lang="zh-CN" altLang="en-US" smtClean="0"/>
-              <a:t>2021/1/15</a:t>
+              <a:t>2021/1/18</a:t>
             </a:fld>
             <a:endParaRPr lang="zh-CN" altLang="en-US"/>
           </a:p>
@@ -10023,7 +10023,7 @@
                 <a:latin typeface="微软雅黑" pitchFamily="34" charset="-122"/>
                 <a:ea typeface="微软雅黑" pitchFamily="34" charset="-122"/>
               </a:rPr>
-              <a:t>在思考一个项目需求时，另一个项目产生的问题会打断思路，影响</a:t>
+              <a:t>在思考一个项目需求时，另一个项目产生的问题会打断思路</a:t>
             </a:r>
             <a:endParaRPr lang="en-US" altLang="zh-CN" sz="1600" dirty="0">
               <a:solidFill>
@@ -20570,7 +20570,7 @@
         <p:spPr>
           <a:xfrm>
             <a:off x="1417967" y="1991375"/>
-            <a:ext cx="2156261" cy="646331"/>
+            <a:ext cx="2156261" cy="430887"/>
           </a:xfrm>
           <a:prstGeom prst="rect">
             <a:avLst/>
@@ -20594,7 +20594,7 @@
                 <a:latin typeface="微软雅黑" panose="020B0503020204020204" pitchFamily="34" charset="-122"/>
                 <a:ea typeface="微软雅黑" panose="020B0503020204020204" pitchFamily="34" charset="-122"/>
               </a:rPr>
-              <a:t>点击输入简要文字内容，文字内容需概括精炼，不用多余的文字修饰。</a:t>
+              <a:t>工作经验不够丰富，写的代码不够多，还需慢慢积累</a:t>
             </a:r>
             <a:endParaRPr lang="en-US" altLang="zh-CN" sz="1400" dirty="0">
               <a:solidFill>
@@ -21250,7 +21250,7 @@
                 <a:latin typeface="微软雅黑" panose="020B0503020204020204" pitchFamily="34" charset="-122"/>
                 <a:ea typeface="微软雅黑" panose="020B0503020204020204" pitchFamily="34" charset="-122"/>
               </a:rPr>
-              <a:t>点击输入简要文字内容，文字内容需概括精炼，不用多余的文字修饰。</a:t>
+              <a:t>遇到不擅长的问题不愿意去问别人，有些问题比简单却花费了较长时间</a:t>
             </a:r>
             <a:endParaRPr lang="en-US" altLang="zh-CN" sz="1400" dirty="0">
               <a:solidFill>
@@ -21298,7 +21298,7 @@
                 <a:latin typeface="微软雅黑" panose="020B0503020204020204" pitchFamily="34" charset="-122"/>
                 <a:ea typeface="微软雅黑" panose="020B0503020204020204" pitchFamily="34" charset="-122"/>
               </a:rPr>
-              <a:t>点击输入简要文字内容，文字内容需概括精炼，不用多余的文字修饰。</a:t>
+              <a:t>编写代码时，思考的不够全面，使代码没有更好的扩展性</a:t>
             </a:r>
             <a:endParaRPr lang="en-US" altLang="zh-CN" sz="1400" dirty="0">
               <a:solidFill>
@@ -21347,7 +21347,7 @@
                 <a:latin typeface="微软雅黑" panose="020B0503020204020204" pitchFamily="34" charset="-122"/>
                 <a:ea typeface="微软雅黑" panose="020B0503020204020204" pitchFamily="34" charset="-122"/>
               </a:rPr>
-              <a:t>点击输入简要文字内容，文字内容需概括精炼，不用多余的文字修饰。</a:t>
+              <a:t>前端技术发展很快，新技术层出不穷，有些技术还没来得及学习</a:t>
             </a:r>
             <a:endParaRPr lang="en-US" altLang="zh-CN" sz="1400" dirty="0">
               <a:solidFill>
@@ -21396,7 +21396,7 @@
                 <a:latin typeface="微软雅黑" panose="020B0503020204020204" pitchFamily="34" charset="-122"/>
                 <a:ea typeface="微软雅黑" panose="020B0503020204020204" pitchFamily="34" charset="-122"/>
               </a:rPr>
-              <a:t>身体是革命的本钱，有健康的身体才能更好的工作</a:t>
+              <a:t>有时会因为考虑过多而浪费时间</a:t>
             </a:r>
             <a:endParaRPr lang="en-US" altLang="zh-CN" sz="1400" dirty="0">
               <a:solidFill>
@@ -21420,7 +21420,7 @@
         <p:spPr>
           <a:xfrm>
             <a:off x="8552951" y="5052878"/>
-            <a:ext cx="2198059" cy="646331"/>
+            <a:ext cx="2198059" cy="430887"/>
           </a:xfrm>
           <a:prstGeom prst="rect">
             <a:avLst/>
@@ -21445,7 +21445,7 @@
                 <a:latin typeface="微软雅黑" panose="020B0503020204020204" pitchFamily="34" charset="-122"/>
                 <a:ea typeface="微软雅黑" panose="020B0503020204020204" pitchFamily="34" charset="-122"/>
               </a:rPr>
-              <a:t>点击输入简要文字内容，文字内容需概括精炼，不用多余的文字修饰。</a:t>
+              <a:t>身体是革命的本钱，有健康的身体才能更好的工作</a:t>
             </a:r>
             <a:endParaRPr lang="en-US" altLang="zh-CN" sz="1400" dirty="0">
               <a:solidFill>
@@ -21569,7 +21569,7 @@
                 <a:latin typeface="微软雅黑" panose="020B0503020204020204" pitchFamily="34" charset="-122"/>
                 <a:ea typeface="微软雅黑" panose="020B0503020204020204" pitchFamily="34" charset="-122"/>
               </a:rPr>
-              <a:t>不够远见</a:t>
+              <a:t>思考片面</a:t>
             </a:r>
           </a:p>
         </p:txBody>
@@ -21655,7 +21655,7 @@
                 <a:latin typeface="微软雅黑" panose="020B0503020204020204" pitchFamily="34" charset="-122"/>
                 <a:ea typeface="微软雅黑" panose="020B0503020204020204" pitchFamily="34" charset="-122"/>
               </a:rPr>
-              <a:t>身体偏瘦</a:t>
+              <a:t>不够果断</a:t>
             </a:r>
           </a:p>
         </p:txBody>
@@ -21693,7 +21693,7 @@
                 <a:latin typeface="微软雅黑" panose="020B0503020204020204" pitchFamily="34" charset="-122"/>
                 <a:ea typeface="微软雅黑" panose="020B0503020204020204" pitchFamily="34" charset="-122"/>
               </a:rPr>
-              <a:t>过于苛刻</a:t>
+              <a:t>身体偏瘦</a:t>
             </a:r>
           </a:p>
         </p:txBody>

--- a/智能平台实验室+姓名+述职.pptx
+++ b/智能平台实验室+姓名+述职.pptx
@@ -251,7 +251,7 @@
           <a:p>
             <a:fld id="{5D1C15E6-6BD2-4E4B-B1D4-218C26E1B228}" type="datetimeFigureOut">
               <a:rPr lang="zh-CN" altLang="en-US" smtClean="0"/>
-              <a:t>2021/1/18</a:t>
+              <a:t>2021/1/19</a:t>
             </a:fld>
             <a:endParaRPr lang="zh-CN" altLang="en-US"/>
           </a:p>
@@ -416,7 +416,7 @@
           <a:p>
             <a:fld id="{0B17430C-5A66-4BD0-A971-34190B6C6019}" type="datetimeFigureOut">
               <a:rPr lang="zh-CN" altLang="en-US" smtClean="0"/>
-              <a:t>2021/1/18</a:t>
+              <a:t>2021/1/19</a:t>
             </a:fld>
             <a:endParaRPr lang="zh-CN" altLang="en-US"/>
           </a:p>
@@ -9973,7 +9973,7 @@
                 <a:latin typeface="微软雅黑" panose="020B0503020204020204" pitchFamily="34" charset="-122"/>
                 <a:ea typeface="微软雅黑" panose="020B0503020204020204" pitchFamily="34" charset="-122"/>
               </a:rPr>
-              <a:t>项目切换频繁</a:t>
+              <a:t>项目切换次数较多</a:t>
             </a:r>
             <a:endParaRPr lang="en-US" altLang="zh-CN" b="1" dirty="0">
               <a:solidFill>
@@ -24476,8 +24476,8 @@
         </p:nvSpPr>
         <p:spPr bwMode="auto">
           <a:xfrm>
-            <a:off x="910630" y="1313665"/>
-            <a:ext cx="2276574" cy="451510"/>
+            <a:off x="910629" y="1313665"/>
+            <a:ext cx="2681459" cy="446272"/>
           </a:xfrm>
           <a:prstGeom prst="rect">
             <a:avLst/>
@@ -24669,7 +24669,7 @@
                 <a:latin typeface="微软雅黑" panose="020B0503020204020204" pitchFamily="34" charset="-122"/>
                 <a:ea typeface="微软雅黑" panose="020B0503020204020204" pitchFamily="34" charset="-122"/>
               </a:rPr>
-              <a:t>点击添加标题</a:t>
+              <a:t>在工作中增长经验</a:t>
             </a:r>
             <a:endParaRPr lang="en-US" altLang="zh-CN" sz="2100" b="1" dirty="0">
               <a:solidFill>
@@ -24913,7 +24913,7 @@
         <p:spPr bwMode="auto">
           <a:xfrm>
             <a:off x="7374186" y="1313665"/>
-            <a:ext cx="2276574" cy="451510"/>
+            <a:ext cx="2681460" cy="446272"/>
           </a:xfrm>
           <a:prstGeom prst="rect">
             <a:avLst/>
@@ -25105,7 +25105,7 @@
                 <a:latin typeface="微软雅黑" panose="020B0503020204020204" pitchFamily="34" charset="-122"/>
                 <a:ea typeface="微软雅黑" panose="020B0503020204020204" pitchFamily="34" charset="-122"/>
               </a:rPr>
-              <a:t>点击添加标题</a:t>
+              <a:t>每天了解一点新技术</a:t>
             </a:r>
             <a:endParaRPr lang="en-US" altLang="zh-CN" sz="2100" b="1" dirty="0">
               <a:solidFill>
@@ -25349,7 +25349,7 @@
         <p:spPr bwMode="auto">
           <a:xfrm>
             <a:off x="923839" y="4745474"/>
-            <a:ext cx="2276574" cy="451510"/>
+            <a:ext cx="2276574" cy="446272"/>
           </a:xfrm>
           <a:prstGeom prst="rect">
             <a:avLst/>
@@ -25541,7 +25541,7 @@
                 <a:latin typeface="微软雅黑" panose="020B0503020204020204" pitchFamily="34" charset="-122"/>
                 <a:ea typeface="微软雅黑" panose="020B0503020204020204" pitchFamily="34" charset="-122"/>
               </a:rPr>
-              <a:t>点击添加标题</a:t>
+              <a:t>注意身体健康</a:t>
             </a:r>
             <a:endParaRPr lang="en-US" altLang="zh-CN" sz="2100" b="1" dirty="0">
               <a:solidFill>
@@ -25785,7 +25785,7 @@
         <p:spPr bwMode="auto">
           <a:xfrm>
             <a:off x="9006155" y="4019429"/>
-            <a:ext cx="2276574" cy="451510"/>
+            <a:ext cx="2276574" cy="446272"/>
           </a:xfrm>
           <a:prstGeom prst="rect">
             <a:avLst/>
@@ -25977,7 +25977,7 @@
                 <a:latin typeface="微软雅黑" panose="020B0503020204020204" pitchFamily="34" charset="-122"/>
                 <a:ea typeface="微软雅黑" panose="020B0503020204020204" pitchFamily="34" charset="-122"/>
               </a:rPr>
-              <a:t>点击添加标题</a:t>
+              <a:t>多和他人沟通</a:t>
             </a:r>
             <a:endParaRPr lang="en-US" altLang="zh-CN" sz="2100" b="1" dirty="0">
               <a:solidFill>
